--- a/Analysis_of_Academic_Research_in_Turkey.pptx
+++ b/Analysis_of_Academic_Research_in_Turkey.pptx
@@ -5998,36 +5998,6 @@
           </a:p>
         </p:txBody>
       </p:sp>
-      <p:pic>
-        <p:nvPicPr>
-          <p:cNvPr id="8" name="Picture 7" descr="A graph showing a number of data&#10;&#10;Description automatically generated with medium confidence">
-            <a:extLst>
-              <a:ext uri="{FF2B5EF4-FFF2-40B4-BE49-F238E27FC236}">
-                <a16:creationId xmlns:a16="http://schemas.microsoft.com/office/drawing/2014/main" id="{72D61552-C711-5ABB-CCBD-75BA37E3C978}"/>
-              </a:ext>
-            </a:extLst>
-          </p:cNvPr>
-          <p:cNvPicPr>
-            <a:picLocks noChangeAspect="1"/>
-          </p:cNvPicPr>
-          <p:nvPr/>
-        </p:nvPicPr>
-        <p:blipFill>
-          <a:blip r:embed="rId2"/>
-          <a:stretch>
-            <a:fillRect/>
-          </a:stretch>
-        </p:blipFill>
-        <p:spPr>
-          <a:xfrm>
-            <a:off x="344794" y="1217522"/>
-            <a:ext cx="8452121" cy="4719770"/>
-          </a:xfrm>
-          <a:prstGeom prst="rect">
-            <a:avLst/>
-          </a:prstGeom>
-        </p:spPr>
-      </p:pic>
       <p:sp>
         <p:nvSpPr>
           <p:cNvPr id="6" name="Title 4">
@@ -6083,7 +6053,7 @@
           <p:nvPr/>
         </p:nvPicPr>
         <p:blipFill>
-          <a:blip r:embed="rId3">
+          <a:blip r:embed="rId2">
             <a:extLst>
               <a:ext uri="{28A0092B-C50C-407E-A947-70E740481C1C}">
                 <a14:useLocalDpi xmlns:a14="http://schemas.microsoft.com/office/drawing/2010/main" val="0"/>
@@ -6113,6 +6083,35 @@
               </a14:hiddenFill>
             </a:ext>
           </a:extLst>
+        </p:spPr>
+      </p:pic>
+      <p:pic>
+        <p:nvPicPr>
+          <p:cNvPr id="3" name="Picture 2" descr="A graph showing a bar graph&#10;&#10;Description automatically generated with medium confidence">
+            <a:extLst>
+              <a:ext uri="{FF2B5EF4-FFF2-40B4-BE49-F238E27FC236}">
+                <a16:creationId xmlns:a16="http://schemas.microsoft.com/office/drawing/2014/main" id="{AFC4CC6B-DBC4-DD90-273A-20C594E8A483}"/>
+              </a:ext>
+            </a:extLst>
+          </p:cNvPr>
+          <p:cNvPicPr>
+            <a:picLocks noChangeAspect="1"/>
+          </p:cNvPicPr>
+          <p:nvPr/>
+        </p:nvPicPr>
+        <p:blipFill>
+          <a:blip r:embed="rId3"/>
+          <a:srcRect l="3305" r="956" b="10956"/>
+          <a:stretch/>
+        </p:blipFill>
+        <p:spPr>
+          <a:xfrm>
+            <a:off x="88385" y="939839"/>
+            <a:ext cx="8967230" cy="4978322"/>
+          </a:xfrm>
+          <a:prstGeom prst="rect">
+            <a:avLst/>
+          </a:prstGeom>
         </p:spPr>
       </p:pic>
     </p:spTree>
